--- a/ai-agents.pptx
+++ b/ai-agents.pptx
@@ -5599,7 +5599,7 @@
         </p:nvSpPr>
         <p:spPr>
           <a:xfrm>
-            <a:off x="743164" y="4371648"/>
+            <a:off x="922960" y="4410188"/>
             <a:ext cx="10346079" cy="801384"/>
           </a:xfrm>
           <a:prstGeom prst="roundRect">
@@ -5726,16 +5726,12 @@
           <a:p>
             <a:pPr algn="ctr"/>
             <a:r>
+              <a:rPr lang="en-GB" sz="2400" b="1"/>
+              <a:t>Use LLM, </a:t>
+            </a:r>
+            <a:r>
               <a:rPr lang="en-GB" sz="2400" b="1" dirty="0"/>
-              <a:t>Use </a:t>
-            </a:r>
-            <a:r>
-              <a:rPr lang="en-GB" sz="2400" b="1" dirty="0" err="1"/>
-              <a:t>LLm</a:t>
-            </a:r>
-            <a:r>
-              <a:rPr lang="en-GB" sz="2400" b="1" dirty="0"/>
-              <a:t>, VLM or unstructured.io to extract data</a:t>
+              <a:t>VLM or unstructured.io to extract data</a:t>
             </a:r>
           </a:p>
         </p:txBody>
@@ -5803,7 +5799,7 @@
         </p:nvSpPr>
         <p:spPr>
           <a:xfrm>
-            <a:off x="743164" y="5491552"/>
+            <a:off x="922960" y="5467560"/>
             <a:ext cx="10346079" cy="801384"/>
           </a:xfrm>
           <a:prstGeom prst="roundRect">
@@ -5950,7 +5946,7 @@
         </p:nvSpPr>
         <p:spPr>
           <a:xfrm>
-            <a:off x="2655592" y="203794"/>
+            <a:off x="2250757" y="189174"/>
             <a:ext cx="7690484" cy="547085"/>
           </a:xfrm>
           <a:prstGeom prst="roundRect">

--- a/ai-agents.pptx
+++ b/ai-agents.pptx
@@ -6046,7 +6046,7 @@
         </p:nvSpPr>
         <p:spPr>
           <a:xfrm>
-            <a:off x="994880" y="895626"/>
+            <a:off x="1327793" y="895626"/>
             <a:ext cx="10346079" cy="801384"/>
           </a:xfrm>
           <a:prstGeom prst="roundRect">
@@ -6076,13 +6076,8 @@
             <a:pPr algn="ctr"/>
             <a:r>
               <a:rPr lang="en-GB" sz="2400" b="1" dirty="0"/>
-              <a:t>We can use Agents to plan the tasks </a:t>
-            </a:r>
-            <a:r>
-              <a:rPr lang="en-GB" sz="2400" b="1" dirty="0" err="1"/>
-              <a:t>requireds</a:t>
-            </a:r>
-            <a:endParaRPr lang="en-GB" sz="2400" b="1" dirty="0"/>
+              <a:t>We can use Agents to plan the tasks required to make reports.</a:t>
+            </a:r>
           </a:p>
         </p:txBody>
       </p:sp>
@@ -6100,7 +6095,7 @@
         </p:nvSpPr>
         <p:spPr>
           <a:xfrm>
-            <a:off x="2655592" y="203794"/>
+            <a:off x="2655590" y="203794"/>
             <a:ext cx="7690484" cy="547085"/>
           </a:xfrm>
           <a:prstGeom prst="roundRect">
@@ -6167,7 +6162,7 @@
         </p:blipFill>
         <p:spPr>
           <a:xfrm>
-            <a:off x="2386033" y="1841757"/>
+            <a:off x="2386032" y="1841757"/>
             <a:ext cx="8229600" cy="4462837"/>
           </a:xfrm>
           <a:prstGeom prst="rect">

--- a/ai-agents.pptx
+++ b/ai-agents.pptx
@@ -7,18 +7,19 @@
   <p:sldIdLst>
     <p:sldId id="266" r:id="rId2"/>
     <p:sldId id="275" r:id="rId3"/>
-    <p:sldId id="267" r:id="rId4"/>
-    <p:sldId id="276" r:id="rId5"/>
-    <p:sldId id="277" r:id="rId6"/>
-    <p:sldId id="279" r:id="rId7"/>
-    <p:sldId id="278" r:id="rId8"/>
-    <p:sldId id="268" r:id="rId9"/>
-    <p:sldId id="269" r:id="rId10"/>
-    <p:sldId id="270" r:id="rId11"/>
-    <p:sldId id="271" r:id="rId12"/>
-    <p:sldId id="272" r:id="rId13"/>
-    <p:sldId id="273" r:id="rId14"/>
-    <p:sldId id="274" r:id="rId15"/>
+    <p:sldId id="280" r:id="rId4"/>
+    <p:sldId id="267" r:id="rId5"/>
+    <p:sldId id="276" r:id="rId6"/>
+    <p:sldId id="277" r:id="rId7"/>
+    <p:sldId id="279" r:id="rId8"/>
+    <p:sldId id="278" r:id="rId9"/>
+    <p:sldId id="268" r:id="rId10"/>
+    <p:sldId id="269" r:id="rId11"/>
+    <p:sldId id="270" r:id="rId12"/>
+    <p:sldId id="271" r:id="rId13"/>
+    <p:sldId id="272" r:id="rId14"/>
+    <p:sldId id="273" r:id="rId15"/>
+    <p:sldId id="274" r:id="rId16"/>
   </p:sldIdLst>
   <p:sldSz cx="12192000" cy="6858000"/>
   <p:notesSz cx="6858000" cy="9144000"/>
@@ -282,7 +283,7 @@
           <a:p>
             <a:fld id="{9F984A1A-F576-403E-81D7-74E1235F9109}" type="datetimeFigureOut">
               <a:rPr lang="en-GB" smtClean="0"/>
-              <a:t>07/03/2025</a:t>
+              <a:t>09/03/2025</a:t>
             </a:fld>
             <a:endParaRPr lang="en-GB"/>
           </a:p>
@@ -482,7 +483,7 @@
           <a:p>
             <a:fld id="{9F984A1A-F576-403E-81D7-74E1235F9109}" type="datetimeFigureOut">
               <a:rPr lang="en-GB" smtClean="0"/>
-              <a:t>07/03/2025</a:t>
+              <a:t>09/03/2025</a:t>
             </a:fld>
             <a:endParaRPr lang="en-GB"/>
           </a:p>
@@ -692,7 +693,7 @@
           <a:p>
             <a:fld id="{9F984A1A-F576-403E-81D7-74E1235F9109}" type="datetimeFigureOut">
               <a:rPr lang="en-GB" smtClean="0"/>
-              <a:t>07/03/2025</a:t>
+              <a:t>09/03/2025</a:t>
             </a:fld>
             <a:endParaRPr lang="en-GB"/>
           </a:p>
@@ -892,7 +893,7 @@
           <a:p>
             <a:fld id="{9F984A1A-F576-403E-81D7-74E1235F9109}" type="datetimeFigureOut">
               <a:rPr lang="en-GB" smtClean="0"/>
-              <a:t>07/03/2025</a:t>
+              <a:t>09/03/2025</a:t>
             </a:fld>
             <a:endParaRPr lang="en-GB"/>
           </a:p>
@@ -1168,7 +1169,7 @@
           <a:p>
             <a:fld id="{9F984A1A-F576-403E-81D7-74E1235F9109}" type="datetimeFigureOut">
               <a:rPr lang="en-GB" smtClean="0"/>
-              <a:t>07/03/2025</a:t>
+              <a:t>09/03/2025</a:t>
             </a:fld>
             <a:endParaRPr lang="en-GB"/>
           </a:p>
@@ -1436,7 +1437,7 @@
           <a:p>
             <a:fld id="{9F984A1A-F576-403E-81D7-74E1235F9109}" type="datetimeFigureOut">
               <a:rPr lang="en-GB" smtClean="0"/>
-              <a:t>07/03/2025</a:t>
+              <a:t>09/03/2025</a:t>
             </a:fld>
             <a:endParaRPr lang="en-GB"/>
           </a:p>
@@ -1851,7 +1852,7 @@
           <a:p>
             <a:fld id="{9F984A1A-F576-403E-81D7-74E1235F9109}" type="datetimeFigureOut">
               <a:rPr lang="en-GB" smtClean="0"/>
-              <a:t>07/03/2025</a:t>
+              <a:t>09/03/2025</a:t>
             </a:fld>
             <a:endParaRPr lang="en-GB"/>
           </a:p>
@@ -1993,7 +1994,7 @@
           <a:p>
             <a:fld id="{9F984A1A-F576-403E-81D7-74E1235F9109}" type="datetimeFigureOut">
               <a:rPr lang="en-GB" smtClean="0"/>
-              <a:t>07/03/2025</a:t>
+              <a:t>09/03/2025</a:t>
             </a:fld>
             <a:endParaRPr lang="en-GB"/>
           </a:p>
@@ -2106,7 +2107,7 @@
           <a:p>
             <a:fld id="{9F984A1A-F576-403E-81D7-74E1235F9109}" type="datetimeFigureOut">
               <a:rPr lang="en-GB" smtClean="0"/>
-              <a:t>07/03/2025</a:t>
+              <a:t>09/03/2025</a:t>
             </a:fld>
             <a:endParaRPr lang="en-GB"/>
           </a:p>
@@ -2419,7 +2420,7 @@
           <a:p>
             <a:fld id="{9F984A1A-F576-403E-81D7-74E1235F9109}" type="datetimeFigureOut">
               <a:rPr lang="en-GB" smtClean="0"/>
-              <a:t>07/03/2025</a:t>
+              <a:t>09/03/2025</a:t>
             </a:fld>
             <a:endParaRPr lang="en-GB"/>
           </a:p>
@@ -2708,7 +2709,7 @@
           <a:p>
             <a:fld id="{9F984A1A-F576-403E-81D7-74E1235F9109}" type="datetimeFigureOut">
               <a:rPr lang="en-GB" smtClean="0"/>
-              <a:t>07/03/2025</a:t>
+              <a:t>09/03/2025</a:t>
             </a:fld>
             <a:endParaRPr lang="en-GB"/>
           </a:p>
@@ -2951,7 +2952,7 @@
           <a:p>
             <a:fld id="{9F984A1A-F576-403E-81D7-74E1235F9109}" type="datetimeFigureOut">
               <a:rPr lang="en-GB" smtClean="0"/>
-              <a:t>07/03/2025</a:t>
+              <a:t>09/03/2025</a:t>
             </a:fld>
             <a:endParaRPr lang="en-GB"/>
           </a:p>
@@ -3825,6 +3826,177 @@
         <p:cNvPr id="1" name="">
           <a:extLst>
             <a:ext uri="{FF2B5EF4-FFF2-40B4-BE49-F238E27FC236}">
+              <a16:creationId xmlns:a16="http://schemas.microsoft.com/office/drawing/2014/main" id="{1FD3D352-6684-C517-2316-3F81A6F24CA4}"/>
+            </a:ext>
+          </a:extLst>
+        </p:cNvPr>
+        <p:cNvGrpSpPr/>
+        <p:nvPr/>
+      </p:nvGrpSpPr>
+      <p:grpSpPr>
+        <a:xfrm>
+          <a:off x="0" y="0"/>
+          <a:ext cx="0" cy="0"/>
+          <a:chOff x="0" y="0"/>
+          <a:chExt cx="0" cy="0"/>
+        </a:xfrm>
+      </p:grpSpPr>
+      <p:sp>
+        <p:nvSpPr>
+          <p:cNvPr id="2" name="Rectangle: Rounded Corners 1">
+            <a:extLst>
+              <a:ext uri="{FF2B5EF4-FFF2-40B4-BE49-F238E27FC236}">
+                <a16:creationId xmlns:a16="http://schemas.microsoft.com/office/drawing/2014/main" id="{7F1EC4F2-3D1D-444F-184B-805A7421CA17}"/>
+              </a:ext>
+            </a:extLst>
+          </p:cNvPr>
+          <p:cNvSpPr/>
+          <p:nvPr/>
+        </p:nvSpPr>
+        <p:spPr>
+          <a:xfrm>
+            <a:off x="923113" y="445889"/>
+            <a:ext cx="10345774" cy="801384"/>
+          </a:xfrm>
+          <a:prstGeom prst="roundRect">
+            <a:avLst/>
+          </a:prstGeom>
+        </p:spPr>
+        <p:style>
+          <a:lnRef idx="2">
+            <a:schemeClr val="accent2">
+              <a:shade val="15000"/>
+            </a:schemeClr>
+          </a:lnRef>
+          <a:fillRef idx="1">
+            <a:schemeClr val="accent2"/>
+          </a:fillRef>
+          <a:effectRef idx="0">
+            <a:schemeClr val="accent2"/>
+          </a:effectRef>
+          <a:fontRef idx="minor">
+            <a:schemeClr val="lt1"/>
+          </a:fontRef>
+        </p:style>
+        <p:txBody>
+          <a:bodyPr rtlCol="0" anchor="ctr"/>
+          <a:lstStyle/>
+          <a:p>
+            <a:pPr algn="ctr"/>
+            <a:r>
+              <a:rPr lang="en-GB" sz="5400" b="1" dirty="0"/>
+              <a:t>01 KEY TAKEWAYS</a:t>
+            </a:r>
+          </a:p>
+        </p:txBody>
+      </p:sp>
+      <p:sp>
+        <p:nvSpPr>
+          <p:cNvPr id="9" name="Rectangle: Rounded Corners 8">
+            <a:extLst>
+              <a:ext uri="{FF2B5EF4-FFF2-40B4-BE49-F238E27FC236}">
+                <a16:creationId xmlns:a16="http://schemas.microsoft.com/office/drawing/2014/main" id="{1289DB92-BA21-7572-0D2A-AF0FC7482A60}"/>
+              </a:ext>
+            </a:extLst>
+          </p:cNvPr>
+          <p:cNvSpPr/>
+          <p:nvPr/>
+        </p:nvSpPr>
+        <p:spPr>
+          <a:xfrm>
+            <a:off x="923112" y="1417314"/>
+            <a:ext cx="10345773" cy="4994797"/>
+          </a:xfrm>
+          <a:prstGeom prst="roundRect">
+            <a:avLst/>
+          </a:prstGeom>
+        </p:spPr>
+        <p:style>
+          <a:lnRef idx="2">
+            <a:schemeClr val="accent2">
+              <a:shade val="15000"/>
+            </a:schemeClr>
+          </a:lnRef>
+          <a:fillRef idx="1">
+            <a:schemeClr val="accent2"/>
+          </a:fillRef>
+          <a:effectRef idx="0">
+            <a:schemeClr val="accent2"/>
+          </a:effectRef>
+          <a:fontRef idx="minor">
+            <a:schemeClr val="lt1"/>
+          </a:fontRef>
+        </p:style>
+        <p:txBody>
+          <a:bodyPr rtlCol="0" anchor="ctr"/>
+          <a:lstStyle/>
+          <a:p>
+            <a:r>
+              <a:rPr lang="en-GB" sz="2800" b="1" dirty="0"/>
+              <a:t>   </a:t>
+            </a:r>
+          </a:p>
+          <a:p>
+            <a:r>
+              <a:rPr lang="en-GB" sz="2800" b="1" dirty="0"/>
+              <a:t>   # 1 There is just one endpoint/route.</a:t>
+            </a:r>
+          </a:p>
+          <a:p>
+            <a:endParaRPr lang="en-GB" sz="2800" b="1" dirty="0"/>
+          </a:p>
+          <a:p>
+            <a:r>
+              <a:rPr lang="en-GB" sz="2800" b="1" dirty="0"/>
+              <a:t>   # 2 It is STATELESS so we must pass all relevant data each time.</a:t>
+            </a:r>
+          </a:p>
+          <a:p>
+            <a:endParaRPr lang="en-GB" sz="2800" b="1" dirty="0"/>
+          </a:p>
+          <a:p>
+            <a:r>
+              <a:rPr lang="en-GB" sz="2800" b="1" dirty="0"/>
+              <a:t>   # 3 We pass messages in the form of SYSTEM messages and USER messages as OpenAI used this in their training set.</a:t>
+            </a:r>
+          </a:p>
+          <a:p>
+            <a:endParaRPr lang="en-GB" sz="2800" b="1" dirty="0"/>
+          </a:p>
+        </p:txBody>
+      </p:sp>
+    </p:spTree>
+    <p:extLst>
+      <p:ext uri="{BB962C8B-B14F-4D97-AF65-F5344CB8AC3E}">
+        <p14:creationId xmlns:p14="http://schemas.microsoft.com/office/powerpoint/2010/main" val="1264716455"/>
+      </p:ext>
+    </p:extLst>
+  </p:cSld>
+  <p:clrMapOvr>
+    <a:masterClrMapping/>
+  </p:clrMapOvr>
+</p:sld>
+</file>
+
+<file path=ppt/slides/slide11.xml><?xml version="1.0" encoding="utf-8"?>
+<p:sld xmlns:a="http://schemas.openxmlformats.org/drawingml/2006/main" xmlns:r="http://schemas.openxmlformats.org/officeDocument/2006/relationships" xmlns:p="http://schemas.openxmlformats.org/presentationml/2006/main">
+  <p:cSld>
+    <p:bg>
+      <p:bgPr>
+        <a:solidFill>
+          <a:schemeClr val="tx1">
+            <a:lumMod val="50000"/>
+            <a:lumOff val="50000"/>
+          </a:schemeClr>
+        </a:solidFill>
+        <a:effectLst/>
+      </p:bgPr>
+    </p:bg>
+    <p:spTree>
+      <p:nvGrpSpPr>
+        <p:cNvPr id="1" name="">
+          <a:extLst>
+            <a:ext uri="{FF2B5EF4-FFF2-40B4-BE49-F238E27FC236}">
               <a16:creationId xmlns:a16="http://schemas.microsoft.com/office/drawing/2014/main" id="{8522070B-B373-3928-ADFA-12305A25A521}"/>
             </a:ext>
           </a:extLst>
@@ -3977,7 +4149,7 @@
 </p:sld>
 </file>
 
-<file path=ppt/slides/slide11.xml><?xml version="1.0" encoding="utf-8"?>
+<file path=ppt/slides/slide12.xml><?xml version="1.0" encoding="utf-8"?>
 <p:sld xmlns:a="http://schemas.openxmlformats.org/drawingml/2006/main" xmlns:r="http://schemas.openxmlformats.org/officeDocument/2006/relationships" xmlns:p="http://schemas.openxmlformats.org/presentationml/2006/main">
   <p:cSld>
     <p:bg>
@@ -4148,7 +4320,7 @@
 </p:sld>
 </file>
 
-<file path=ppt/slides/slide12.xml><?xml version="1.0" encoding="utf-8"?>
+<file path=ppt/slides/slide13.xml><?xml version="1.0" encoding="utf-8"?>
 <p:sld xmlns:a="http://schemas.openxmlformats.org/drawingml/2006/main" xmlns:r="http://schemas.openxmlformats.org/officeDocument/2006/relationships" xmlns:p="http://schemas.openxmlformats.org/presentationml/2006/main">
   <p:cSld>
     <p:bg>
@@ -4327,7 +4499,7 @@
 </p:sld>
 </file>
 
-<file path=ppt/slides/slide13.xml><?xml version="1.0" encoding="utf-8"?>
+<file path=ppt/slides/slide14.xml><?xml version="1.0" encoding="utf-8"?>
 <p:sld xmlns:a="http://schemas.openxmlformats.org/drawingml/2006/main" xmlns:r="http://schemas.openxmlformats.org/officeDocument/2006/relationships" xmlns:p="http://schemas.openxmlformats.org/presentationml/2006/main">
   <p:cSld>
     <p:bg>
@@ -4494,7 +4666,7 @@
 </p:sld>
 </file>
 
-<file path=ppt/slides/slide14.xml><?xml version="1.0" encoding="utf-8"?>
+<file path=ppt/slides/slide15.xml><?xml version="1.0" encoding="utf-8"?>
 <p:sld xmlns:a="http://schemas.openxmlformats.org/drawingml/2006/main" xmlns:r="http://schemas.openxmlformats.org/officeDocument/2006/relationships" xmlns:p="http://schemas.openxmlformats.org/presentationml/2006/main">
   <p:cSld>
     <p:bg>
@@ -5110,6 +5282,247 @@
         <p:cNvPr id="1" name="">
           <a:extLst>
             <a:ext uri="{FF2B5EF4-FFF2-40B4-BE49-F238E27FC236}">
+              <a16:creationId xmlns:a16="http://schemas.microsoft.com/office/drawing/2014/main" id="{3EC64032-B6EC-351E-2764-D4E8D2ABCCBC}"/>
+            </a:ext>
+          </a:extLst>
+        </p:cNvPr>
+        <p:cNvGrpSpPr/>
+        <p:nvPr/>
+      </p:nvGrpSpPr>
+      <p:grpSpPr>
+        <a:xfrm>
+          <a:off x="0" y="0"/>
+          <a:ext cx="0" cy="0"/>
+          <a:chOff x="0" y="0"/>
+          <a:chExt cx="0" cy="0"/>
+        </a:xfrm>
+      </p:grpSpPr>
+      <p:sp>
+        <p:nvSpPr>
+          <p:cNvPr id="7" name="TextBox 6">
+            <a:extLst>
+              <a:ext uri="{FF2B5EF4-FFF2-40B4-BE49-F238E27FC236}">
+                <a16:creationId xmlns:a16="http://schemas.microsoft.com/office/drawing/2014/main" id="{1C91B3F1-478E-D6B3-B0B2-3F4178E1F880}"/>
+              </a:ext>
+            </a:extLst>
+          </p:cNvPr>
+          <p:cNvSpPr txBox="1"/>
+          <p:nvPr/>
+        </p:nvSpPr>
+        <p:spPr>
+          <a:xfrm>
+            <a:off x="460293" y="285531"/>
+            <a:ext cx="11270750" cy="830997"/>
+          </a:xfrm>
+          <a:prstGeom prst="rect">
+            <a:avLst/>
+          </a:prstGeom>
+          <a:noFill/>
+        </p:spPr>
+        <p:txBody>
+          <a:bodyPr wrap="square" rtlCol="0">
+            <a:spAutoFit/>
+          </a:bodyPr>
+          <a:lstStyle/>
+          <a:p>
+            <a:pPr algn="ctr">
+              <a:spcBef>
+                <a:spcPts val="2250"/>
+              </a:spcBef>
+              <a:spcAft>
+                <a:spcPts val="3750"/>
+              </a:spcAft>
+            </a:pPr>
+            <a:r>
+              <a:rPr lang="en-GB" sz="4800" b="0" i="0" u="none" strike="noStrike" dirty="0">
+                <a:solidFill>
+                  <a:schemeClr val="bg1"/>
+                </a:solidFill>
+                <a:effectLst/>
+                <a:latin typeface="Montserrat" panose="00000500000000000000" pitchFamily="2" charset="0"/>
+              </a:rPr>
+              <a:t>SQL Doc</a:t>
+            </a:r>
+          </a:p>
+        </p:txBody>
+      </p:sp>
+      <p:sp>
+        <p:nvSpPr>
+          <p:cNvPr id="2" name="TextBox 1">
+            <a:extLst>
+              <a:ext uri="{FF2B5EF4-FFF2-40B4-BE49-F238E27FC236}">
+                <a16:creationId xmlns:a16="http://schemas.microsoft.com/office/drawing/2014/main" id="{6FA31E56-1CAD-485B-581C-A932466536C0}"/>
+              </a:ext>
+            </a:extLst>
+          </p:cNvPr>
+          <p:cNvSpPr txBox="1"/>
+          <p:nvPr/>
+        </p:nvSpPr>
+        <p:spPr>
+          <a:xfrm>
+            <a:off x="825026" y="1273996"/>
+            <a:ext cx="10685122" cy="2677656"/>
+          </a:xfrm>
+          <a:prstGeom prst="rect">
+            <a:avLst/>
+          </a:prstGeom>
+          <a:noFill/>
+        </p:spPr>
+        <p:txBody>
+          <a:bodyPr wrap="square" rtlCol="0">
+            <a:spAutoFit/>
+          </a:bodyPr>
+          <a:lstStyle/>
+          <a:p>
+            <a:r>
+              <a:rPr lang="en-GB" sz="2800" dirty="0">
+                <a:solidFill>
+                  <a:schemeClr val="bg1"/>
+                </a:solidFill>
+              </a:rPr>
+              <a:t>We store the SQL Query along with metadata so that we can us Agentic RAG to select the most appropriate query.</a:t>
+            </a:r>
+          </a:p>
+          <a:p>
+            <a:r>
+              <a:rPr lang="en-GB" sz="2800" dirty="0">
+                <a:solidFill>
+                  <a:schemeClr val="bg1"/>
+                </a:solidFill>
+              </a:rPr>
+              <a:t>This ensures we have deterministic responses even if it may not be the answer to the question (see </a:t>
+            </a:r>
+            <a:r>
+              <a:rPr lang="en-GB" sz="2800">
+                <a:solidFill>
+                  <a:schemeClr val="bg1"/>
+                </a:solidFill>
+              </a:rPr>
+              <a:t>strategy diagram).</a:t>
+            </a:r>
+            <a:endParaRPr lang="en-GB" sz="2800" dirty="0">
+              <a:solidFill>
+                <a:schemeClr val="bg1"/>
+              </a:solidFill>
+            </a:endParaRPr>
+          </a:p>
+          <a:p>
+            <a:r>
+              <a:rPr lang="en-GB" sz="2800" dirty="0">
+                <a:solidFill>
+                  <a:schemeClr val="bg1"/>
+                </a:solidFill>
+              </a:rPr>
+              <a:t>We can provide user feedback so that the SQL Doc store can be improved.</a:t>
+            </a:r>
+          </a:p>
+        </p:txBody>
+      </p:sp>
+      <p:sp>
+        <p:nvSpPr>
+          <p:cNvPr id="3" name="TextBox 2">
+            <a:extLst>
+              <a:ext uri="{FF2B5EF4-FFF2-40B4-BE49-F238E27FC236}">
+                <a16:creationId xmlns:a16="http://schemas.microsoft.com/office/drawing/2014/main" id="{53F7A53F-69C9-80AB-F738-BAD0CD82D286}"/>
+              </a:ext>
+            </a:extLst>
+          </p:cNvPr>
+          <p:cNvSpPr txBox="1"/>
+          <p:nvPr/>
+        </p:nvSpPr>
+        <p:spPr>
+          <a:xfrm>
+            <a:off x="825026" y="3951652"/>
+            <a:ext cx="10685122" cy="2031325"/>
+          </a:xfrm>
+          <a:prstGeom prst="rect">
+            <a:avLst/>
+          </a:prstGeom>
+          <a:noFill/>
+        </p:spPr>
+        <p:txBody>
+          <a:bodyPr wrap="square" rtlCol="0">
+            <a:spAutoFit/>
+          </a:bodyPr>
+          <a:lstStyle/>
+          <a:p>
+            <a:r>
+              <a:rPr lang="en-GB" sz="2800" dirty="0">
+                <a:solidFill>
+                  <a:schemeClr val="bg1"/>
+                </a:solidFill>
+              </a:rPr>
+              <a:t>Fields:  </a:t>
+            </a:r>
+          </a:p>
+          <a:p>
+            <a:endParaRPr lang="en-GB" sz="1200" dirty="0">
+              <a:solidFill>
+                <a:schemeClr val="bg1"/>
+              </a:solidFill>
+            </a:endParaRPr>
+          </a:p>
+          <a:p>
+            <a:r>
+              <a:rPr lang="en-GB" sz="2800" dirty="0">
+                <a:solidFill>
+                  <a:schemeClr val="bg1"/>
+                </a:solidFill>
+              </a:rPr>
+              <a:t>SQL - short_desc - long_desc – examples – arguments -  keywords</a:t>
+            </a:r>
+          </a:p>
+          <a:p>
+            <a:r>
+              <a:rPr lang="en-GB" sz="2800" dirty="0">
+                <a:solidFill>
+                  <a:schemeClr val="bg1"/>
+                </a:solidFill>
+              </a:rPr>
+              <a:t>The user will get the selected query along with description etc.</a:t>
+            </a:r>
+          </a:p>
+          <a:p>
+            <a:endParaRPr lang="en-GB" sz="2800" dirty="0">
+              <a:solidFill>
+                <a:schemeClr val="bg1"/>
+              </a:solidFill>
+            </a:endParaRPr>
+          </a:p>
+        </p:txBody>
+      </p:sp>
+    </p:spTree>
+    <p:extLst>
+      <p:ext uri="{BB962C8B-B14F-4D97-AF65-F5344CB8AC3E}">
+        <p14:creationId xmlns:p14="http://schemas.microsoft.com/office/powerpoint/2010/main" val="585626173"/>
+      </p:ext>
+    </p:extLst>
+  </p:cSld>
+  <p:clrMapOvr>
+    <a:masterClrMapping/>
+  </p:clrMapOvr>
+</p:sld>
+</file>
+
+<file path=ppt/slides/slide4.xml><?xml version="1.0" encoding="utf-8"?>
+<p:sld xmlns:a="http://schemas.openxmlformats.org/drawingml/2006/main" xmlns:r="http://schemas.openxmlformats.org/officeDocument/2006/relationships" xmlns:p="http://schemas.openxmlformats.org/presentationml/2006/main">
+  <p:cSld>
+    <p:bg>
+      <p:bgPr>
+        <a:solidFill>
+          <a:schemeClr val="tx1">
+            <a:lumMod val="50000"/>
+            <a:lumOff val="50000"/>
+          </a:schemeClr>
+        </a:solidFill>
+        <a:effectLst/>
+      </p:bgPr>
+    </p:bg>
+    <p:spTree>
+      <p:nvGrpSpPr>
+        <p:cNvPr id="1" name="">
+          <a:extLst>
+            <a:ext uri="{FF2B5EF4-FFF2-40B4-BE49-F238E27FC236}">
               <a16:creationId xmlns:a16="http://schemas.microsoft.com/office/drawing/2014/main" id="{FF1DE77D-A352-5669-61A2-29408C457443}"/>
             </a:ext>
           </a:extLst>
@@ -5551,7 +5964,7 @@
 </p:sld>
 </file>
 
-<file path=ppt/slides/slide4.xml><?xml version="1.0" encoding="utf-8"?>
+<file path=ppt/slides/slide5.xml><?xml version="1.0" encoding="utf-8"?>
 <p:sld xmlns:a="http://schemas.openxmlformats.org/drawingml/2006/main" xmlns:r="http://schemas.openxmlformats.org/officeDocument/2006/relationships" xmlns:p="http://schemas.openxmlformats.org/presentationml/2006/main">
   <p:cSld>
     <p:bg>
@@ -5998,7 +6411,7 @@
 </p:sld>
 </file>
 
-<file path=ppt/slides/slide5.xml><?xml version="1.0" encoding="utf-8"?>
+<file path=ppt/slides/slide6.xml><?xml version="1.0" encoding="utf-8"?>
 <p:sld xmlns:a="http://schemas.openxmlformats.org/drawingml/2006/main" xmlns:r="http://schemas.openxmlformats.org/officeDocument/2006/relationships" xmlns:p="http://schemas.openxmlformats.org/presentationml/2006/main">
   <p:cSld>
     <p:bg>
@@ -6218,7 +6631,7 @@
 </p:sld>
 </file>
 
-<file path=ppt/slides/slide6.xml><?xml version="1.0" encoding="utf-8"?>
+<file path=ppt/slides/slide7.xml><?xml version="1.0" encoding="utf-8"?>
 <p:sld xmlns:a="http://schemas.openxmlformats.org/drawingml/2006/main" xmlns:r="http://schemas.openxmlformats.org/officeDocument/2006/relationships" xmlns:p="http://schemas.openxmlformats.org/presentationml/2006/main">
   <p:cSld>
     <p:bg>
@@ -6612,7 +7025,7 @@
 </p:sld>
 </file>
 
-<file path=ppt/slides/slide7.xml><?xml version="1.0" encoding="utf-8"?>
+<file path=ppt/slides/slide8.xml><?xml version="1.0" encoding="utf-8"?>
 <p:sld xmlns:a="http://schemas.openxmlformats.org/drawingml/2006/main" xmlns:r="http://schemas.openxmlformats.org/officeDocument/2006/relationships" xmlns:p="http://schemas.openxmlformats.org/presentationml/2006/main">
   <p:cSld>
     <p:bg>
@@ -6810,7 +7223,7 @@
 </p:sld>
 </file>
 
-<file path=ppt/slides/slide8.xml><?xml version="1.0" encoding="utf-8"?>
+<file path=ppt/slides/slide9.xml><?xml version="1.0" encoding="utf-8"?>
 <p:sld xmlns:a="http://schemas.openxmlformats.org/drawingml/2006/main" xmlns:r="http://schemas.openxmlformats.org/officeDocument/2006/relationships" xmlns:p="http://schemas.openxmlformats.org/presentationml/2006/main">
   <p:cSld>
     <p:bg>
@@ -7164,177 +7577,6 @@
     <p:extLst>
       <p:ext uri="{BB962C8B-B14F-4D97-AF65-F5344CB8AC3E}">
         <p14:creationId xmlns:p14="http://schemas.microsoft.com/office/powerpoint/2010/main" val="3219126829"/>
-      </p:ext>
-    </p:extLst>
-  </p:cSld>
-  <p:clrMapOvr>
-    <a:masterClrMapping/>
-  </p:clrMapOvr>
-</p:sld>
-</file>
-
-<file path=ppt/slides/slide9.xml><?xml version="1.0" encoding="utf-8"?>
-<p:sld xmlns:a="http://schemas.openxmlformats.org/drawingml/2006/main" xmlns:r="http://schemas.openxmlformats.org/officeDocument/2006/relationships" xmlns:p="http://schemas.openxmlformats.org/presentationml/2006/main">
-  <p:cSld>
-    <p:bg>
-      <p:bgPr>
-        <a:solidFill>
-          <a:schemeClr val="tx1">
-            <a:lumMod val="50000"/>
-            <a:lumOff val="50000"/>
-          </a:schemeClr>
-        </a:solidFill>
-        <a:effectLst/>
-      </p:bgPr>
-    </p:bg>
-    <p:spTree>
-      <p:nvGrpSpPr>
-        <p:cNvPr id="1" name="">
-          <a:extLst>
-            <a:ext uri="{FF2B5EF4-FFF2-40B4-BE49-F238E27FC236}">
-              <a16:creationId xmlns:a16="http://schemas.microsoft.com/office/drawing/2014/main" id="{1FD3D352-6684-C517-2316-3F81A6F24CA4}"/>
-            </a:ext>
-          </a:extLst>
-        </p:cNvPr>
-        <p:cNvGrpSpPr/>
-        <p:nvPr/>
-      </p:nvGrpSpPr>
-      <p:grpSpPr>
-        <a:xfrm>
-          <a:off x="0" y="0"/>
-          <a:ext cx="0" cy="0"/>
-          <a:chOff x="0" y="0"/>
-          <a:chExt cx="0" cy="0"/>
-        </a:xfrm>
-      </p:grpSpPr>
-      <p:sp>
-        <p:nvSpPr>
-          <p:cNvPr id="2" name="Rectangle: Rounded Corners 1">
-            <a:extLst>
-              <a:ext uri="{FF2B5EF4-FFF2-40B4-BE49-F238E27FC236}">
-                <a16:creationId xmlns:a16="http://schemas.microsoft.com/office/drawing/2014/main" id="{7F1EC4F2-3D1D-444F-184B-805A7421CA17}"/>
-              </a:ext>
-            </a:extLst>
-          </p:cNvPr>
-          <p:cNvSpPr/>
-          <p:nvPr/>
-        </p:nvSpPr>
-        <p:spPr>
-          <a:xfrm>
-            <a:off x="923113" y="445889"/>
-            <a:ext cx="10345774" cy="801384"/>
-          </a:xfrm>
-          <a:prstGeom prst="roundRect">
-            <a:avLst/>
-          </a:prstGeom>
-        </p:spPr>
-        <p:style>
-          <a:lnRef idx="2">
-            <a:schemeClr val="accent2">
-              <a:shade val="15000"/>
-            </a:schemeClr>
-          </a:lnRef>
-          <a:fillRef idx="1">
-            <a:schemeClr val="accent2"/>
-          </a:fillRef>
-          <a:effectRef idx="0">
-            <a:schemeClr val="accent2"/>
-          </a:effectRef>
-          <a:fontRef idx="minor">
-            <a:schemeClr val="lt1"/>
-          </a:fontRef>
-        </p:style>
-        <p:txBody>
-          <a:bodyPr rtlCol="0" anchor="ctr"/>
-          <a:lstStyle/>
-          <a:p>
-            <a:pPr algn="ctr"/>
-            <a:r>
-              <a:rPr lang="en-GB" sz="5400" b="1" dirty="0"/>
-              <a:t>01 KEY TAKEWAYS</a:t>
-            </a:r>
-          </a:p>
-        </p:txBody>
-      </p:sp>
-      <p:sp>
-        <p:nvSpPr>
-          <p:cNvPr id="9" name="Rectangle: Rounded Corners 8">
-            <a:extLst>
-              <a:ext uri="{FF2B5EF4-FFF2-40B4-BE49-F238E27FC236}">
-                <a16:creationId xmlns:a16="http://schemas.microsoft.com/office/drawing/2014/main" id="{1289DB92-BA21-7572-0D2A-AF0FC7482A60}"/>
-              </a:ext>
-            </a:extLst>
-          </p:cNvPr>
-          <p:cNvSpPr/>
-          <p:nvPr/>
-        </p:nvSpPr>
-        <p:spPr>
-          <a:xfrm>
-            <a:off x="923112" y="1417314"/>
-            <a:ext cx="10345773" cy="4994797"/>
-          </a:xfrm>
-          <a:prstGeom prst="roundRect">
-            <a:avLst/>
-          </a:prstGeom>
-        </p:spPr>
-        <p:style>
-          <a:lnRef idx="2">
-            <a:schemeClr val="accent2">
-              <a:shade val="15000"/>
-            </a:schemeClr>
-          </a:lnRef>
-          <a:fillRef idx="1">
-            <a:schemeClr val="accent2"/>
-          </a:fillRef>
-          <a:effectRef idx="0">
-            <a:schemeClr val="accent2"/>
-          </a:effectRef>
-          <a:fontRef idx="minor">
-            <a:schemeClr val="lt1"/>
-          </a:fontRef>
-        </p:style>
-        <p:txBody>
-          <a:bodyPr rtlCol="0" anchor="ctr"/>
-          <a:lstStyle/>
-          <a:p>
-            <a:r>
-              <a:rPr lang="en-GB" sz="2800" b="1" dirty="0"/>
-              <a:t>   </a:t>
-            </a:r>
-          </a:p>
-          <a:p>
-            <a:r>
-              <a:rPr lang="en-GB" sz="2800" b="1" dirty="0"/>
-              <a:t>   # 1 There is just one endpoint/route.</a:t>
-            </a:r>
-          </a:p>
-          <a:p>
-            <a:endParaRPr lang="en-GB" sz="2800" b="1" dirty="0"/>
-          </a:p>
-          <a:p>
-            <a:r>
-              <a:rPr lang="en-GB" sz="2800" b="1" dirty="0"/>
-              <a:t>   # 2 It is STATELESS so we must pass all relevant data each time.</a:t>
-            </a:r>
-          </a:p>
-          <a:p>
-            <a:endParaRPr lang="en-GB" sz="2800" b="1" dirty="0"/>
-          </a:p>
-          <a:p>
-            <a:r>
-              <a:rPr lang="en-GB" sz="2800" b="1" dirty="0"/>
-              <a:t>   # 3 We pass messages in the form of SYSTEM messages and USER messages as OpenAI used this in their training set.</a:t>
-            </a:r>
-          </a:p>
-          <a:p>
-            <a:endParaRPr lang="en-GB" sz="2800" b="1" dirty="0"/>
-          </a:p>
-        </p:txBody>
-      </p:sp>
-    </p:spTree>
-    <p:extLst>
-      <p:ext uri="{BB962C8B-B14F-4D97-AF65-F5344CB8AC3E}">
-        <p14:creationId xmlns:p14="http://schemas.microsoft.com/office/powerpoint/2010/main" val="1264716455"/>
       </p:ext>
     </p:extLst>
   </p:cSld>

--- a/ai-agents.pptx
+++ b/ai-agents.pptx
@@ -7012,6 +7012,78 @@
           </a:p>
         </p:txBody>
       </p:sp>
+      <p:pic>
+        <p:nvPicPr>
+          <p:cNvPr id="6" name="Graphic 5" descr="Close with solid fill">
+            <a:extLst>
+              <a:ext uri="{FF2B5EF4-FFF2-40B4-BE49-F238E27FC236}">
+                <a16:creationId xmlns:a16="http://schemas.microsoft.com/office/drawing/2014/main" id="{56B18DA6-56D0-40C4-8F94-9D096E68FACB}"/>
+              </a:ext>
+            </a:extLst>
+          </p:cNvPr>
+          <p:cNvPicPr>
+            <a:picLocks noChangeAspect="1"/>
+          </p:cNvPicPr>
+          <p:nvPr/>
+        </p:nvPicPr>
+        <p:blipFill>
+          <a:blip r:embed="rId2">
+            <a:extLst>
+              <a:ext uri="{96DAC541-7B7A-43D3-8B79-37D633B846F1}">
+                <asvg:svgBlip xmlns:asvg="http://schemas.microsoft.com/office/drawing/2016/SVG/main" r:embed="rId3"/>
+              </a:ext>
+            </a:extLst>
+          </a:blip>
+          <a:stretch>
+            <a:fillRect/>
+          </a:stretch>
+        </p:blipFill>
+        <p:spPr>
+          <a:xfrm>
+            <a:off x="4919609" y="3694138"/>
+            <a:ext cx="474323" cy="474323"/>
+          </a:xfrm>
+          <a:prstGeom prst="rect">
+            <a:avLst/>
+          </a:prstGeom>
+        </p:spPr>
+      </p:pic>
+      <p:pic>
+        <p:nvPicPr>
+          <p:cNvPr id="10" name="Graphic 9" descr="Checkmark with solid fill">
+            <a:extLst>
+              <a:ext uri="{FF2B5EF4-FFF2-40B4-BE49-F238E27FC236}">
+                <a16:creationId xmlns:a16="http://schemas.microsoft.com/office/drawing/2014/main" id="{7956B7C0-5BAF-1CBF-9AA4-49D112AFCBDC}"/>
+              </a:ext>
+            </a:extLst>
+          </p:cNvPr>
+          <p:cNvPicPr>
+            <a:picLocks noChangeAspect="1"/>
+          </p:cNvPicPr>
+          <p:nvPr/>
+        </p:nvPicPr>
+        <p:blipFill>
+          <a:blip r:embed="rId4">
+            <a:extLst>
+              <a:ext uri="{96DAC541-7B7A-43D3-8B79-37D633B846F1}">
+                <asvg:svgBlip xmlns:asvg="http://schemas.microsoft.com/office/drawing/2016/SVG/main" r:embed="rId5"/>
+              </a:ext>
+            </a:extLst>
+          </a:blip>
+          <a:stretch>
+            <a:fillRect/>
+          </a:stretch>
+        </p:blipFill>
+        <p:spPr>
+          <a:xfrm>
+            <a:off x="10479640" y="3685651"/>
+            <a:ext cx="547085" cy="547085"/>
+          </a:xfrm>
+          <a:prstGeom prst="rect">
+            <a:avLst/>
+          </a:prstGeom>
+        </p:spPr>
+      </p:pic>
     </p:spTree>
     <p:extLst>
       <p:ext uri="{BB962C8B-B14F-4D97-AF65-F5344CB8AC3E}">

--- a/ai-agents.pptx
+++ b/ai-agents.pptx
@@ -5361,7 +5361,7 @@
         <p:spPr>
           <a:xfrm>
             <a:off x="825026" y="1273996"/>
-            <a:ext cx="10685122" cy="2677656"/>
+            <a:ext cx="10685122" cy="1938992"/>
           </a:xfrm>
           <a:prstGeom prst="rect">
             <a:avLst/>
@@ -5375,7 +5375,7 @@
           <a:lstStyle/>
           <a:p>
             <a:r>
-              <a:rPr lang="en-GB" sz="2800" dirty="0">
+              <a:rPr lang="en-GB" sz="2400" dirty="0">
                 <a:solidFill>
                   <a:schemeClr val="bg1"/>
                 </a:solidFill>
@@ -5385,30 +5385,17 @@
           </a:p>
           <a:p>
             <a:r>
-              <a:rPr lang="en-GB" sz="2800" dirty="0">
+              <a:rPr lang="en-GB" sz="2400" dirty="0">
                 <a:solidFill>
                   <a:schemeClr val="bg1"/>
                 </a:solidFill>
               </a:rPr>
-              <a:t>This ensures we have deterministic responses even if it may not be the answer to the question (see </a:t>
-            </a:r>
-            <a:r>
-              <a:rPr lang="en-GB" sz="2800">
-                <a:solidFill>
-                  <a:schemeClr val="bg1"/>
-                </a:solidFill>
-              </a:rPr>
-              <a:t>strategy diagram).</a:t>
-            </a:r>
-            <a:endParaRPr lang="en-GB" sz="2800" dirty="0">
-              <a:solidFill>
-                <a:schemeClr val="bg1"/>
-              </a:solidFill>
-            </a:endParaRPr>
-          </a:p>
-          <a:p>
-            <a:r>
-              <a:rPr lang="en-GB" sz="2800" dirty="0">
+              <a:t>This ensures we have deterministic responses even if it may not be the answer to the question (see strategy diagram).</a:t>
+            </a:r>
+          </a:p>
+          <a:p>
+            <a:r>
+              <a:rPr lang="en-GB" sz="2400" dirty="0">
                 <a:solidFill>
                   <a:schemeClr val="bg1"/>
                 </a:solidFill>
@@ -5432,8 +5419,8 @@
         </p:nvSpPr>
         <p:spPr>
           <a:xfrm>
-            <a:off x="825026" y="3951652"/>
-            <a:ext cx="10685122" cy="2031325"/>
+            <a:off x="825026" y="3241242"/>
+            <a:ext cx="10685122" cy="3662541"/>
           </a:xfrm>
           <a:prstGeom prst="rect">
             <a:avLst/>
@@ -5447,39 +5434,166 @@
           <a:lstStyle/>
           <a:p>
             <a:r>
-              <a:rPr lang="en-GB" sz="2800" dirty="0">
+              <a:rPr lang="en-GB" sz="2400" b="1" dirty="0" err="1">
+                <a:solidFill>
+                  <a:srgbClr val="FFC000"/>
+                </a:solidFill>
+              </a:rPr>
+              <a:t>tbl_sql</a:t>
+            </a:r>
+            <a:r>
+              <a:rPr lang="en-GB" sz="2400" b="1" dirty="0">
+                <a:solidFill>
+                  <a:srgbClr val="FFC000"/>
+                </a:solidFill>
+              </a:rPr>
+              <a:t>:  </a:t>
+            </a:r>
+          </a:p>
+          <a:p>
+            <a:endParaRPr lang="en-GB" sz="1000" dirty="0">
+              <a:solidFill>
+                <a:schemeClr val="bg1"/>
+              </a:solidFill>
+            </a:endParaRPr>
+          </a:p>
+          <a:p>
+            <a:r>
+              <a:rPr lang="en-GB" sz="2400" dirty="0">
                 <a:solidFill>
                   <a:schemeClr val="bg1"/>
                 </a:solidFill>
               </a:rPr>
-              <a:t>Fields:  </a:t>
-            </a:r>
-          </a:p>
-          <a:p>
-            <a:endParaRPr lang="en-GB" sz="1200" dirty="0">
-              <a:solidFill>
-                <a:schemeClr val="bg1"/>
-              </a:solidFill>
-            </a:endParaRPr>
-          </a:p>
-          <a:p>
-            <a:r>
-              <a:rPr lang="en-GB" sz="2800" dirty="0">
+              <a:t>SQL - short_desc - </a:t>
+            </a:r>
+            <a:r>
+              <a:rPr lang="en-GB" sz="2400" dirty="0" err="1">
                 <a:solidFill>
                   <a:schemeClr val="bg1"/>
                 </a:solidFill>
               </a:rPr>
-              <a:t>SQL - short_desc - long_desc – examples – arguments -  keywords</a:t>
-            </a:r>
-          </a:p>
-          <a:p>
-            <a:r>
-              <a:rPr lang="en-GB" sz="2800" dirty="0">
+              <a:t>long_desc</a:t>
+            </a:r>
+            <a:r>
+              <a:rPr lang="en-GB" sz="2400" dirty="0">
+                <a:solidFill>
+                  <a:schemeClr val="bg1"/>
+                </a:solidFill>
+              </a:rPr>
+              <a:t> – arguments -  keywords</a:t>
+            </a:r>
+          </a:p>
+          <a:p>
+            <a:r>
+              <a:rPr lang="en-GB" sz="2400" dirty="0">
                 <a:solidFill>
                   <a:schemeClr val="bg1"/>
                 </a:solidFill>
               </a:rPr>
               <a:t>The user will get the selected query along with description etc.</a:t>
+            </a:r>
+          </a:p>
+          <a:p>
+            <a:endParaRPr lang="en-GB" sz="1400" dirty="0">
+              <a:solidFill>
+                <a:schemeClr val="bg1"/>
+              </a:solidFill>
+            </a:endParaRPr>
+          </a:p>
+          <a:p>
+            <a:r>
+              <a:rPr lang="en-GB" sz="2400" b="1" dirty="0" err="1">
+                <a:solidFill>
+                  <a:srgbClr val="FFC000"/>
+                </a:solidFill>
+              </a:rPr>
+              <a:t>tbl_user_query</a:t>
+            </a:r>
+            <a:endParaRPr lang="en-GB" sz="2400" b="1" dirty="0">
+              <a:solidFill>
+                <a:srgbClr val="FFC000"/>
+              </a:solidFill>
+            </a:endParaRPr>
+          </a:p>
+          <a:p>
+            <a:endParaRPr lang="en-GB" sz="600" dirty="0">
+              <a:solidFill>
+                <a:schemeClr val="bg1"/>
+              </a:solidFill>
+            </a:endParaRPr>
+          </a:p>
+          <a:p>
+            <a:r>
+              <a:rPr lang="en-GB" sz="2400" dirty="0">
+                <a:solidFill>
+                  <a:schemeClr val="bg1"/>
+                </a:solidFill>
+              </a:rPr>
+              <a:t>Has numerous </a:t>
+            </a:r>
+            <a:r>
+              <a:rPr lang="en-GB" sz="2400" dirty="0" err="1">
+                <a:solidFill>
+                  <a:schemeClr val="bg1"/>
+                </a:solidFill>
+              </a:rPr>
+              <a:t>user_queries</a:t>
+            </a:r>
+            <a:r>
+              <a:rPr lang="en-GB" sz="2400" dirty="0">
+                <a:solidFill>
+                  <a:schemeClr val="bg1"/>
+                </a:solidFill>
+              </a:rPr>
+              <a:t> that are linked to SQL in the above table. When we get a </a:t>
+            </a:r>
+            <a:r>
+              <a:rPr lang="en-GB" sz="2400" dirty="0" err="1">
+                <a:solidFill>
+                  <a:schemeClr val="bg1"/>
+                </a:solidFill>
+              </a:rPr>
+              <a:t>user_query</a:t>
+            </a:r>
+            <a:r>
+              <a:rPr lang="en-GB" sz="2400" dirty="0">
+                <a:solidFill>
+                  <a:schemeClr val="bg1"/>
+                </a:solidFill>
+              </a:rPr>
+              <a:t> we can use LLM to rewrite it in say 5 ways and then use these to match a </a:t>
+            </a:r>
+            <a:r>
+              <a:rPr lang="en-GB" sz="2400" dirty="0" err="1">
+                <a:solidFill>
+                  <a:schemeClr val="bg1"/>
+                </a:solidFill>
+              </a:rPr>
+              <a:t>user_query</a:t>
+            </a:r>
+            <a:r>
+              <a:rPr lang="en-GB" sz="2400" dirty="0">
+                <a:solidFill>
+                  <a:schemeClr val="bg1"/>
+                </a:solidFill>
+              </a:rPr>
+              <a:t> in this table which will link to the SQL in </a:t>
+            </a:r>
+            <a:r>
+              <a:rPr lang="en-GB" sz="2400" b="1" dirty="0" err="1">
+                <a:solidFill>
+                  <a:srgbClr val="FFC000"/>
+                </a:solidFill>
+              </a:rPr>
+              <a:t>tbl_sql</a:t>
+            </a:r>
+            <a:r>
+              <a:rPr lang="en-GB" sz="2400" dirty="0">
+                <a:solidFill>
+                  <a:schemeClr val="bg1"/>
+                </a:solidFill>
+              </a:rPr>
+              <a:t>. </a:t>
             </a:r>
           </a:p>
           <a:p>

--- a/ai-agents.pptx
+++ b/ai-agents.pptx
@@ -283,7 +283,7 @@
           <a:p>
             <a:fld id="{9F984A1A-F576-403E-81D7-74E1235F9109}" type="datetimeFigureOut">
               <a:rPr lang="en-GB" smtClean="0"/>
-              <a:t>09/03/2025</a:t>
+              <a:t>10/03/2025</a:t>
             </a:fld>
             <a:endParaRPr lang="en-GB"/>
           </a:p>
@@ -483,7 +483,7 @@
           <a:p>
             <a:fld id="{9F984A1A-F576-403E-81D7-74E1235F9109}" type="datetimeFigureOut">
               <a:rPr lang="en-GB" smtClean="0"/>
-              <a:t>09/03/2025</a:t>
+              <a:t>10/03/2025</a:t>
             </a:fld>
             <a:endParaRPr lang="en-GB"/>
           </a:p>
@@ -693,7 +693,7 @@
           <a:p>
             <a:fld id="{9F984A1A-F576-403E-81D7-74E1235F9109}" type="datetimeFigureOut">
               <a:rPr lang="en-GB" smtClean="0"/>
-              <a:t>09/03/2025</a:t>
+              <a:t>10/03/2025</a:t>
             </a:fld>
             <a:endParaRPr lang="en-GB"/>
           </a:p>
@@ -893,7 +893,7 @@
           <a:p>
             <a:fld id="{9F984A1A-F576-403E-81D7-74E1235F9109}" type="datetimeFigureOut">
               <a:rPr lang="en-GB" smtClean="0"/>
-              <a:t>09/03/2025</a:t>
+              <a:t>10/03/2025</a:t>
             </a:fld>
             <a:endParaRPr lang="en-GB"/>
           </a:p>
@@ -1169,7 +1169,7 @@
           <a:p>
             <a:fld id="{9F984A1A-F576-403E-81D7-74E1235F9109}" type="datetimeFigureOut">
               <a:rPr lang="en-GB" smtClean="0"/>
-              <a:t>09/03/2025</a:t>
+              <a:t>10/03/2025</a:t>
             </a:fld>
             <a:endParaRPr lang="en-GB"/>
           </a:p>
@@ -1437,7 +1437,7 @@
           <a:p>
             <a:fld id="{9F984A1A-F576-403E-81D7-74E1235F9109}" type="datetimeFigureOut">
               <a:rPr lang="en-GB" smtClean="0"/>
-              <a:t>09/03/2025</a:t>
+              <a:t>10/03/2025</a:t>
             </a:fld>
             <a:endParaRPr lang="en-GB"/>
           </a:p>
@@ -1852,7 +1852,7 @@
           <a:p>
             <a:fld id="{9F984A1A-F576-403E-81D7-74E1235F9109}" type="datetimeFigureOut">
               <a:rPr lang="en-GB" smtClean="0"/>
-              <a:t>09/03/2025</a:t>
+              <a:t>10/03/2025</a:t>
             </a:fld>
             <a:endParaRPr lang="en-GB"/>
           </a:p>
@@ -1994,7 +1994,7 @@
           <a:p>
             <a:fld id="{9F984A1A-F576-403E-81D7-74E1235F9109}" type="datetimeFigureOut">
               <a:rPr lang="en-GB" smtClean="0"/>
-              <a:t>09/03/2025</a:t>
+              <a:t>10/03/2025</a:t>
             </a:fld>
             <a:endParaRPr lang="en-GB"/>
           </a:p>
@@ -2107,7 +2107,7 @@
           <a:p>
             <a:fld id="{9F984A1A-F576-403E-81D7-74E1235F9109}" type="datetimeFigureOut">
               <a:rPr lang="en-GB" smtClean="0"/>
-              <a:t>09/03/2025</a:t>
+              <a:t>10/03/2025</a:t>
             </a:fld>
             <a:endParaRPr lang="en-GB"/>
           </a:p>
@@ -2420,7 +2420,7 @@
           <a:p>
             <a:fld id="{9F984A1A-F576-403E-81D7-74E1235F9109}" type="datetimeFigureOut">
               <a:rPr lang="en-GB" smtClean="0"/>
-              <a:t>09/03/2025</a:t>
+              <a:t>10/03/2025</a:t>
             </a:fld>
             <a:endParaRPr lang="en-GB"/>
           </a:p>
@@ -2709,7 +2709,7 @@
           <a:p>
             <a:fld id="{9F984A1A-F576-403E-81D7-74E1235F9109}" type="datetimeFigureOut">
               <a:rPr lang="en-GB" smtClean="0"/>
-              <a:t>09/03/2025</a:t>
+              <a:t>10/03/2025</a:t>
             </a:fld>
             <a:endParaRPr lang="en-GB"/>
           </a:p>
@@ -2952,7 +2952,7 @@
           <a:p>
             <a:fld id="{9F984A1A-F576-403E-81D7-74E1235F9109}" type="datetimeFigureOut">
               <a:rPr lang="en-GB" smtClean="0"/>
-              <a:t>09/03/2025</a:t>
+              <a:t>10/03/2025</a:t>
             </a:fld>
             <a:endParaRPr lang="en-GB"/>
           </a:p>
@@ -6574,7 +6574,7 @@
         <p:spPr>
           <a:xfrm>
             <a:off x="1327793" y="895626"/>
-            <a:ext cx="10346079" cy="801384"/>
+            <a:ext cx="10346079" cy="1303044"/>
           </a:xfrm>
           <a:prstGeom prst="roundRect">
             <a:avLst/>
@@ -6606,6 +6606,13 @@
               <a:t>We can use Agents to plan the tasks required to make reports.</a:t>
             </a:r>
           </a:p>
+          <a:p>
+            <a:pPr algn="ctr"/>
+            <a:r>
+              <a:rPr lang="en-GB" sz="2400" b="1" dirty="0"/>
+              <a:t>We also can use AI to get more nuance on user intent.</a:t>
+            </a:r>
+          </a:p>
         </p:txBody>
       </p:sp>
       <p:sp>
@@ -6689,8 +6696,8 @@
         </p:blipFill>
         <p:spPr>
           <a:xfrm>
-            <a:off x="2386032" y="1841757"/>
-            <a:ext cx="8229600" cy="4462837"/>
+            <a:off x="2296732" y="2328724"/>
+            <a:ext cx="7598536" cy="4120617"/>
           </a:xfrm>
           <a:prstGeom prst="rect">
             <a:avLst/>

--- a/ai-agents.pptx
+++ b/ai-agents.pptx
@@ -283,7 +283,7 @@
           <a:p>
             <a:fld id="{9F984A1A-F576-403E-81D7-74E1235F9109}" type="datetimeFigureOut">
               <a:rPr lang="en-GB" smtClean="0"/>
-              <a:t>10/03/2025</a:t>
+              <a:t>11/03/2025</a:t>
             </a:fld>
             <a:endParaRPr lang="en-GB"/>
           </a:p>
@@ -483,7 +483,7 @@
           <a:p>
             <a:fld id="{9F984A1A-F576-403E-81D7-74E1235F9109}" type="datetimeFigureOut">
               <a:rPr lang="en-GB" smtClean="0"/>
-              <a:t>10/03/2025</a:t>
+              <a:t>11/03/2025</a:t>
             </a:fld>
             <a:endParaRPr lang="en-GB"/>
           </a:p>
@@ -693,7 +693,7 @@
           <a:p>
             <a:fld id="{9F984A1A-F576-403E-81D7-74E1235F9109}" type="datetimeFigureOut">
               <a:rPr lang="en-GB" smtClean="0"/>
-              <a:t>10/03/2025</a:t>
+              <a:t>11/03/2025</a:t>
             </a:fld>
             <a:endParaRPr lang="en-GB"/>
           </a:p>
@@ -893,7 +893,7 @@
           <a:p>
             <a:fld id="{9F984A1A-F576-403E-81D7-74E1235F9109}" type="datetimeFigureOut">
               <a:rPr lang="en-GB" smtClean="0"/>
-              <a:t>10/03/2025</a:t>
+              <a:t>11/03/2025</a:t>
             </a:fld>
             <a:endParaRPr lang="en-GB"/>
           </a:p>
@@ -1169,7 +1169,7 @@
           <a:p>
             <a:fld id="{9F984A1A-F576-403E-81D7-74E1235F9109}" type="datetimeFigureOut">
               <a:rPr lang="en-GB" smtClean="0"/>
-              <a:t>10/03/2025</a:t>
+              <a:t>11/03/2025</a:t>
             </a:fld>
             <a:endParaRPr lang="en-GB"/>
           </a:p>
@@ -1437,7 +1437,7 @@
           <a:p>
             <a:fld id="{9F984A1A-F576-403E-81D7-74E1235F9109}" type="datetimeFigureOut">
               <a:rPr lang="en-GB" smtClean="0"/>
-              <a:t>10/03/2025</a:t>
+              <a:t>11/03/2025</a:t>
             </a:fld>
             <a:endParaRPr lang="en-GB"/>
           </a:p>
@@ -1852,7 +1852,7 @@
           <a:p>
             <a:fld id="{9F984A1A-F576-403E-81D7-74E1235F9109}" type="datetimeFigureOut">
               <a:rPr lang="en-GB" smtClean="0"/>
-              <a:t>10/03/2025</a:t>
+              <a:t>11/03/2025</a:t>
             </a:fld>
             <a:endParaRPr lang="en-GB"/>
           </a:p>
@@ -1994,7 +1994,7 @@
           <a:p>
             <a:fld id="{9F984A1A-F576-403E-81D7-74E1235F9109}" type="datetimeFigureOut">
               <a:rPr lang="en-GB" smtClean="0"/>
-              <a:t>10/03/2025</a:t>
+              <a:t>11/03/2025</a:t>
             </a:fld>
             <a:endParaRPr lang="en-GB"/>
           </a:p>
@@ -2107,7 +2107,7 @@
           <a:p>
             <a:fld id="{9F984A1A-F576-403E-81D7-74E1235F9109}" type="datetimeFigureOut">
               <a:rPr lang="en-GB" smtClean="0"/>
-              <a:t>10/03/2025</a:t>
+              <a:t>11/03/2025</a:t>
             </a:fld>
             <a:endParaRPr lang="en-GB"/>
           </a:p>
@@ -2420,7 +2420,7 @@
           <a:p>
             <a:fld id="{9F984A1A-F576-403E-81D7-74E1235F9109}" type="datetimeFigureOut">
               <a:rPr lang="en-GB" smtClean="0"/>
-              <a:t>10/03/2025</a:t>
+              <a:t>11/03/2025</a:t>
             </a:fld>
             <a:endParaRPr lang="en-GB"/>
           </a:p>
@@ -2709,7 +2709,7 @@
           <a:p>
             <a:fld id="{9F984A1A-F576-403E-81D7-74E1235F9109}" type="datetimeFigureOut">
               <a:rPr lang="en-GB" smtClean="0"/>
-              <a:t>10/03/2025</a:t>
+              <a:t>11/03/2025</a:t>
             </a:fld>
             <a:endParaRPr lang="en-GB"/>
           </a:p>
@@ -2952,7 +2952,7 @@
           <a:p>
             <a:fld id="{9F984A1A-F576-403E-81D7-74E1235F9109}" type="datetimeFigureOut">
               <a:rPr lang="en-GB" smtClean="0"/>
-              <a:t>10/03/2025</a:t>
+              <a:t>11/03/2025</a:t>
             </a:fld>
             <a:endParaRPr lang="en-GB"/>
           </a:p>
@@ -6800,8 +6800,8 @@
         </p:nvSpPr>
         <p:spPr>
           <a:xfrm>
-            <a:off x="6295461" y="1974139"/>
-            <a:ext cx="5000975" cy="2294153"/>
+            <a:off x="6268064" y="1923134"/>
+            <a:ext cx="5000975" cy="3204036"/>
           </a:xfrm>
           <a:prstGeom prst="roundRect">
             <a:avLst/>
@@ -6830,7 +6830,7 @@
             <a:pPr algn="ctr"/>
             <a:r>
               <a:rPr lang="en-GB" sz="2400" b="1" dirty="0"/>
-              <a:t>Store tried and tested SQL queries like documents in DB with meta data to enable keyword and semantic search to produce results.</a:t>
+              <a:t>Store tried and tested SQL queries like documents in DB with meta data to enable keyword and semantic search to produce results. Most suitable when querying a range of tables.</a:t>
             </a:r>
           </a:p>
         </p:txBody>
@@ -6879,7 +6879,7 @@
             <a:pPr algn="ctr"/>
             <a:r>
               <a:rPr lang="en-GB" sz="2400" b="1" dirty="0"/>
-              <a:t>SQL</a:t>
+              <a:t>Stored SQL queries</a:t>
             </a:r>
           </a:p>
         </p:txBody>
@@ -6928,7 +6928,7 @@
             <a:pPr algn="ctr"/>
             <a:r>
               <a:rPr lang="en-GB" sz="2400" b="1" dirty="0"/>
-              <a:t>LLM</a:t>
+              <a:t>LLM as DBA</a:t>
             </a:r>
           </a:p>
         </p:txBody>
@@ -6947,8 +6947,8 @@
         </p:nvSpPr>
         <p:spPr>
           <a:xfrm>
-            <a:off x="912688" y="4542952"/>
-            <a:ext cx="10346079" cy="801384"/>
+            <a:off x="950357" y="5266697"/>
+            <a:ext cx="10346079" cy="547085"/>
           </a:xfrm>
           <a:prstGeom prst="roundRect">
             <a:avLst/>
@@ -7050,7 +7050,7 @@
         <p:spPr>
           <a:xfrm>
             <a:off x="895564" y="1974139"/>
-            <a:ext cx="4806593" cy="2294153"/>
+            <a:ext cx="4806593" cy="3126537"/>
           </a:xfrm>
           <a:prstGeom prst="roundRect">
             <a:avLst/>
@@ -7079,7 +7079,7 @@
             <a:pPr algn="ctr"/>
             <a:r>
               <a:rPr lang="en-GB" sz="2400" b="1" dirty="0"/>
-              <a:t>Obtain relevant SQL Schema and get Agent to create SQL query that is then run to get result.</a:t>
+              <a:t>Obtain relevant SQL Schema and get Agent to create SQL query that is then run to get result. OK for a few tables but a greater challenge for more complex queries. Suitable for CSV imports and queries on it.</a:t>
             </a:r>
           </a:p>
         </p:txBody>
@@ -7098,8 +7098,8 @@
         </p:nvSpPr>
         <p:spPr>
           <a:xfrm>
-            <a:off x="922960" y="5691945"/>
-            <a:ext cx="10346079" cy="801384"/>
+            <a:off x="922960" y="5979803"/>
+            <a:ext cx="10346079" cy="513525"/>
           </a:xfrm>
           <a:prstGeom prst="roundRect">
             <a:avLst/>
@@ -7135,10 +7135,10 @@
       </p:sp>
       <p:pic>
         <p:nvPicPr>
-          <p:cNvPr id="6" name="Graphic 5" descr="Close with solid fill">
-            <a:extLst>
-              <a:ext uri="{FF2B5EF4-FFF2-40B4-BE49-F238E27FC236}">
-                <a16:creationId xmlns:a16="http://schemas.microsoft.com/office/drawing/2014/main" id="{56B18DA6-56D0-40C4-8F94-9D096E68FACB}"/>
+          <p:cNvPr id="10" name="Graphic 9" descr="Checkmark with solid fill">
+            <a:extLst>
+              <a:ext uri="{FF2B5EF4-FFF2-40B4-BE49-F238E27FC236}">
+                <a16:creationId xmlns:a16="http://schemas.microsoft.com/office/drawing/2014/main" id="{7956B7C0-5BAF-1CBF-9AA4-49D112AFCBDC}"/>
               </a:ext>
             </a:extLst>
           </p:cNvPr>
@@ -7161,43 +7161,7 @@
         </p:blipFill>
         <p:spPr>
           <a:xfrm>
-            <a:off x="4919609" y="3694138"/>
-            <a:ext cx="474323" cy="474323"/>
-          </a:xfrm>
-          <a:prstGeom prst="rect">
-            <a:avLst/>
-          </a:prstGeom>
-        </p:spPr>
-      </p:pic>
-      <p:pic>
-        <p:nvPicPr>
-          <p:cNvPr id="10" name="Graphic 9" descr="Checkmark with solid fill">
-            <a:extLst>
-              <a:ext uri="{FF2B5EF4-FFF2-40B4-BE49-F238E27FC236}">
-                <a16:creationId xmlns:a16="http://schemas.microsoft.com/office/drawing/2014/main" id="{7956B7C0-5BAF-1CBF-9AA4-49D112AFCBDC}"/>
-              </a:ext>
-            </a:extLst>
-          </p:cNvPr>
-          <p:cNvPicPr>
-            <a:picLocks noChangeAspect="1"/>
-          </p:cNvPicPr>
-          <p:nvPr/>
-        </p:nvPicPr>
-        <p:blipFill>
-          <a:blip r:embed="rId4">
-            <a:extLst>
-              <a:ext uri="{96DAC541-7B7A-43D3-8B79-37D633B846F1}">
-                <asvg:svgBlip xmlns:asvg="http://schemas.microsoft.com/office/drawing/2016/SVG/main" r:embed="rId5"/>
-              </a:ext>
-            </a:extLst>
-          </a:blip>
-          <a:stretch>
-            <a:fillRect/>
-          </a:stretch>
-        </p:blipFill>
-        <p:spPr>
-          <a:xfrm>
-            <a:off x="10479640" y="3685651"/>
+            <a:off x="10448817" y="2042822"/>
             <a:ext cx="547085" cy="547085"/>
           </a:xfrm>
           <a:prstGeom prst="rect">
@@ -7296,7 +7260,7 @@
             <a:pPr algn="ctr"/>
             <a:r>
               <a:rPr lang="en-GB" sz="2400" b="1" dirty="0"/>
-              <a:t>LLM to generate more verbose report available in various formats. </a:t>
+              <a:t>LLM to generate summary reports based on a number of separate queries and combined together. Available in various formats.</a:t>
             </a:r>
           </a:p>
         </p:txBody>
@@ -7368,7 +7332,7 @@
         </p:nvSpPr>
         <p:spPr>
           <a:xfrm>
-            <a:off x="922959" y="2396561"/>
+            <a:off x="922959" y="5717181"/>
             <a:ext cx="10346079" cy="801384"/>
           </a:xfrm>
           <a:prstGeom prst="roundRect">
@@ -7403,6 +7367,42 @@
           </a:p>
         </p:txBody>
       </p:sp>
+      <p:pic>
+        <p:nvPicPr>
+          <p:cNvPr id="2" name="Picture 1" descr="A diagram of a structure&#10;&#10;AI-generated content may be incorrect.">
+            <a:extLst>
+              <a:ext uri="{FF2B5EF4-FFF2-40B4-BE49-F238E27FC236}">
+                <a16:creationId xmlns:a16="http://schemas.microsoft.com/office/drawing/2014/main" id="{21B7E437-E92A-84D4-EF16-FE41FFE5A4B9}"/>
+              </a:ext>
+            </a:extLst>
+          </p:cNvPr>
+          <p:cNvPicPr>
+            <a:picLocks noChangeAspect="1"/>
+          </p:cNvPicPr>
+          <p:nvPr/>
+        </p:nvPicPr>
+        <p:blipFill>
+          <a:blip r:embed="rId2">
+            <a:extLst>
+              <a:ext uri="{28A0092B-C50C-407E-A947-70E740481C1C}">
+                <a14:useLocalDpi xmlns:a14="http://schemas.microsoft.com/office/drawing/2010/main" val="0"/>
+              </a:ext>
+            </a:extLst>
+          </a:blip>
+          <a:stretch>
+            <a:fillRect/>
+          </a:stretch>
+        </p:blipFill>
+        <p:spPr>
+          <a:xfrm>
+            <a:off x="3191209" y="2225983"/>
+            <a:ext cx="5973965" cy="3239627"/>
+          </a:xfrm>
+          <a:prstGeom prst="rect">
+            <a:avLst/>
+          </a:prstGeom>
+        </p:spPr>
+      </p:pic>
     </p:spTree>
     <p:extLst>
       <p:ext uri="{BB962C8B-B14F-4D97-AF65-F5344CB8AC3E}">

--- a/ai-agents.pptx
+++ b/ai-agents.pptx
@@ -6696,7 +6696,7 @@
         </p:blipFill>
         <p:spPr>
           <a:xfrm>
-            <a:off x="2296732" y="2328724"/>
+            <a:off x="2701564" y="2328724"/>
             <a:ext cx="7598536" cy="4120617"/>
           </a:xfrm>
           <a:prstGeom prst="rect">
@@ -6718,8 +6718,8 @@
         </p:nvSpPr>
         <p:spPr>
           <a:xfrm>
-            <a:off x="1898011" y="6449341"/>
-            <a:ext cx="9205645" cy="369332"/>
+            <a:off x="2538790" y="6467060"/>
+            <a:ext cx="7924083" cy="369332"/>
           </a:xfrm>
           <a:prstGeom prst="rect">
             <a:avLst/>
